--- a/document/블랙잭 매뉴얼.pptx
+++ b/document/블랙잭 매뉴얼.pptx
@@ -257,7 +257,7 @@
                 <a:latin typeface="+mj-ea"/>
                 <a:ea typeface="+mj-ea"/>
               </a:rPr>
-              <a:t>2024-04-26</a:t>
+              <a:t>2024-05-02</a:t>
             </a:fld>
             <a:endParaRPr lang="ko-KR" altLang="en-US" dirty="0">
               <a:latin typeface="+mj-ea"/>
@@ -458,7 +458,7 @@
             <a:fld id="{94A59610-D21E-4772-A7BF-F2F26E543677}" type="datetime1">
               <a:rPr lang="ko-KR" altLang="en-US" smtClean="0"/>
               <a:pPr/>
-              <a:t>2024-04-26</a:t>
+              <a:t>2024-05-02</a:t>
             </a:fld>
             <a:endParaRPr lang="ko-KR" altLang="en-US" dirty="0"/>
           </a:p>
@@ -18196,7 +18196,7 @@
             <a:pPr algn="ctr" rtl="0"/>
             <a:r>
               <a:rPr lang="ko-KR" altLang="en-US" b="1" dirty="0"/>
-              <a:t>스플릿 진행</a:t>
+              <a:t>결과 화면</a:t>
             </a:r>
           </a:p>
         </p:txBody>
